--- a/Review Code Review Enforcer Example.pptx
+++ b/Review Code Review Enforcer Example.pptx
@@ -138,7 +138,7 @@
   <pc:docChgLst>
     <pc:chgData name="Jonathan Littleton" userId="52e4222b881f9a5e" providerId="LiveId" clId="{48ABF7EC-63F1-4D7B-91D5-162823278085}"/>
     <pc:docChg chg="undo custSel addSld delSld modSld">
-      <pc:chgData name="Jonathan Littleton" userId="52e4222b881f9a5e" providerId="LiveId" clId="{48ABF7EC-63F1-4D7B-91D5-162823278085}" dt="2022-04-18T06:54:43.165" v="2546" actId="20577"/>
+      <pc:chgData name="Jonathan Littleton" userId="52e4222b881f9a5e" providerId="LiveId" clId="{48ABF7EC-63F1-4D7B-91D5-162823278085}" dt="2022-04-18T08:07:01.189" v="2555" actId="1076"/>
       <pc:docMkLst>
         <pc:docMk/>
       </pc:docMkLst>
@@ -220,11 +220,19 @@
         </pc:spChg>
       </pc:sldChg>
       <pc:sldChg chg="addSp delSp modSp mod">
-        <pc:chgData name="Jonathan Littleton" userId="52e4222b881f9a5e" providerId="LiveId" clId="{48ABF7EC-63F1-4D7B-91D5-162823278085}" dt="2022-04-17T17:39:33.882" v="1511" actId="27636"/>
+        <pc:chgData name="Jonathan Littleton" userId="52e4222b881f9a5e" providerId="LiveId" clId="{48ABF7EC-63F1-4D7B-91D5-162823278085}" dt="2022-04-18T08:07:01.189" v="2555" actId="1076"/>
         <pc:sldMkLst>
           <pc:docMk/>
           <pc:sldMk cId="4118079889" sldId="261"/>
         </pc:sldMkLst>
+        <pc:spChg chg="add del mod">
+          <ac:chgData name="Jonathan Littleton" userId="52e4222b881f9a5e" providerId="LiveId" clId="{48ABF7EC-63F1-4D7B-91D5-162823278085}" dt="2022-04-18T08:06:46.881" v="2548" actId="22"/>
+          <ac:spMkLst>
+            <pc:docMk/>
+            <pc:sldMk cId="4118079889" sldId="261"/>
+            <ac:spMk id="4" creationId="{96BD875F-2615-4C54-AC6B-7D5A15112F9E}"/>
+          </ac:spMkLst>
+        </pc:spChg>
         <pc:spChg chg="mod">
           <ac:chgData name="Jonathan Littleton" userId="52e4222b881f9a5e" providerId="LiveId" clId="{48ABF7EC-63F1-4D7B-91D5-162823278085}" dt="2022-04-17T17:39:33.882" v="1511" actId="27636"/>
           <ac:spMkLst>
@@ -241,6 +249,14 @@
             <ac:spMk id="12" creationId="{BF65ABA8-50DE-47CE-8FDD-925A32F17EF3}"/>
           </ac:spMkLst>
         </pc:spChg>
+        <pc:picChg chg="add mod ord">
+          <ac:chgData name="Jonathan Littleton" userId="52e4222b881f9a5e" providerId="LiveId" clId="{48ABF7EC-63F1-4D7B-91D5-162823278085}" dt="2022-04-18T08:07:01.189" v="2555" actId="1076"/>
+          <ac:picMkLst>
+            <pc:docMk/>
+            <pc:sldMk cId="4118079889" sldId="261"/>
+            <ac:picMk id="6" creationId="{68C904F5-5969-45BD-9CA3-A7479B62AEA7}"/>
+          </ac:picMkLst>
+        </pc:picChg>
         <pc:picChg chg="del">
           <ac:chgData name="Jonathan Littleton" userId="52e4222b881f9a5e" providerId="LiveId" clId="{48ABF7EC-63F1-4D7B-91D5-162823278085}" dt="2022-04-17T17:24:57.144" v="1190" actId="478"/>
           <ac:picMkLst>
@@ -249,8 +265,8 @@
             <ac:picMk id="11" creationId="{2F94B085-B65C-47A3-B0AF-AA8341F048F8}"/>
           </ac:picMkLst>
         </pc:picChg>
-        <pc:picChg chg="add mod ord">
-          <ac:chgData name="Jonathan Littleton" userId="52e4222b881f9a5e" providerId="LiveId" clId="{48ABF7EC-63F1-4D7B-91D5-162823278085}" dt="2022-04-17T17:26:33.030" v="1194" actId="1076"/>
+        <pc:picChg chg="add del mod ord">
+          <ac:chgData name="Jonathan Littleton" userId="52e4222b881f9a5e" providerId="LiveId" clId="{48ABF7EC-63F1-4D7B-91D5-162823278085}" dt="2022-04-18T08:06:45.387" v="2547" actId="478"/>
           <ac:picMkLst>
             <pc:docMk/>
             <pc:sldMk cId="4118079889" sldId="261"/>
@@ -4133,7 +4149,7 @@
           <a:p>
             <a:fld id="{D164DC98-D791-470E-B089-70679CC191FC}" type="datetimeFigureOut">
               <a:rPr lang="en-US" smtClean="0"/>
-              <a:t>4/17/2022</a:t>
+              <a:t>4/18/2022</a:t>
             </a:fld>
             <a:endParaRPr lang="en-US"/>
           </a:p>
@@ -4631,7 +4647,7 @@
           <a:p>
             <a:fld id="{810F3140-B844-4551-B191-17062D6D6601}" type="datetimeFigureOut">
               <a:rPr lang="en-US" smtClean="0"/>
-              <a:t>4/17/2022</a:t>
+              <a:t>4/18/2022</a:t>
             </a:fld>
             <a:endParaRPr lang="en-US"/>
           </a:p>
@@ -4829,7 +4845,7 @@
           <a:p>
             <a:fld id="{810F3140-B844-4551-B191-17062D6D6601}" type="datetimeFigureOut">
               <a:rPr lang="en-US" smtClean="0"/>
-              <a:t>4/17/2022</a:t>
+              <a:t>4/18/2022</a:t>
             </a:fld>
             <a:endParaRPr lang="en-US"/>
           </a:p>
@@ -5037,7 +5053,7 @@
           <a:p>
             <a:fld id="{810F3140-B844-4551-B191-17062D6D6601}" type="datetimeFigureOut">
               <a:rPr lang="en-US" smtClean="0"/>
-              <a:t>4/17/2022</a:t>
+              <a:t>4/18/2022</a:t>
             </a:fld>
             <a:endParaRPr lang="en-US"/>
           </a:p>
@@ -5235,7 +5251,7 @@
           <a:p>
             <a:fld id="{810F3140-B844-4551-B191-17062D6D6601}" type="datetimeFigureOut">
               <a:rPr lang="en-US" smtClean="0"/>
-              <a:t>4/17/2022</a:t>
+              <a:t>4/18/2022</a:t>
             </a:fld>
             <a:endParaRPr lang="en-US"/>
           </a:p>
@@ -5510,7 +5526,7 @@
           <a:p>
             <a:fld id="{810F3140-B844-4551-B191-17062D6D6601}" type="datetimeFigureOut">
               <a:rPr lang="en-US" smtClean="0"/>
-              <a:t>4/17/2022</a:t>
+              <a:t>4/18/2022</a:t>
             </a:fld>
             <a:endParaRPr lang="en-US"/>
           </a:p>
@@ -5775,7 +5791,7 @@
           <a:p>
             <a:fld id="{810F3140-B844-4551-B191-17062D6D6601}" type="datetimeFigureOut">
               <a:rPr lang="en-US" smtClean="0"/>
-              <a:t>4/17/2022</a:t>
+              <a:t>4/18/2022</a:t>
             </a:fld>
             <a:endParaRPr lang="en-US"/>
           </a:p>
@@ -6187,7 +6203,7 @@
           <a:p>
             <a:fld id="{810F3140-B844-4551-B191-17062D6D6601}" type="datetimeFigureOut">
               <a:rPr lang="en-US" smtClean="0"/>
-              <a:t>4/17/2022</a:t>
+              <a:t>4/18/2022</a:t>
             </a:fld>
             <a:endParaRPr lang="en-US"/>
           </a:p>
@@ -6328,7 +6344,7 @@
           <a:p>
             <a:fld id="{810F3140-B844-4551-B191-17062D6D6601}" type="datetimeFigureOut">
               <a:rPr lang="en-US" smtClean="0"/>
-              <a:t>4/17/2022</a:t>
+              <a:t>4/18/2022</a:t>
             </a:fld>
             <a:endParaRPr lang="en-US"/>
           </a:p>
@@ -6441,7 +6457,7 @@
           <a:p>
             <a:fld id="{810F3140-B844-4551-B191-17062D6D6601}" type="datetimeFigureOut">
               <a:rPr lang="en-US" smtClean="0"/>
-              <a:t>4/17/2022</a:t>
+              <a:t>4/18/2022</a:t>
             </a:fld>
             <a:endParaRPr lang="en-US"/>
           </a:p>
@@ -6752,7 +6768,7 @@
           <a:p>
             <a:fld id="{810F3140-B844-4551-B191-17062D6D6601}" type="datetimeFigureOut">
               <a:rPr lang="en-US" smtClean="0"/>
-              <a:t>4/17/2022</a:t>
+              <a:t>4/18/2022</a:t>
             </a:fld>
             <a:endParaRPr lang="en-US"/>
           </a:p>
@@ -7040,7 +7056,7 @@
           <a:p>
             <a:fld id="{810F3140-B844-4551-B191-17062D6D6601}" type="datetimeFigureOut">
               <a:rPr lang="en-US" smtClean="0"/>
-              <a:t>4/17/2022</a:t>
+              <a:t>4/18/2022</a:t>
             </a:fld>
             <a:endParaRPr lang="en-US"/>
           </a:p>
@@ -7281,7 +7297,7 @@
           <a:p>
             <a:fld id="{810F3140-B844-4551-B191-17062D6D6601}" type="datetimeFigureOut">
               <a:rPr lang="en-US" smtClean="0"/>
-              <a:t>4/17/2022</a:t>
+              <a:t>4/18/2022</a:t>
             </a:fld>
             <a:endParaRPr lang="en-US"/>
           </a:p>
@@ -9033,10 +9049,10 @@
       </p:sp>
       <p:pic>
         <p:nvPicPr>
-          <p:cNvPr id="14" name="Content Placeholder 13">
+          <p:cNvPr id="6" name="Content Placeholder 5">
             <a:extLst>
               <a:ext uri="{FF2B5EF4-FFF2-40B4-BE49-F238E27FC236}">
-                <a16:creationId xmlns:a16="http://schemas.microsoft.com/office/drawing/2014/main" id="{0A00C1F2-DBA9-4376-923C-C6462C09451D}"/>
+                <a16:creationId xmlns:a16="http://schemas.microsoft.com/office/drawing/2014/main" id="{68C904F5-5969-45BD-9CA3-A7479B62AEA7}"/>
               </a:ext>
             </a:extLst>
           </p:cNvPr>
@@ -9055,8 +9071,8 @@
         </p:blipFill>
         <p:spPr>
           <a:xfrm>
-            <a:off x="188606" y="2253162"/>
-            <a:ext cx="7553969" cy="3586873"/>
+            <a:off x="242521" y="1621038"/>
+            <a:ext cx="7921403" cy="4709035"/>
           </a:xfrm>
         </p:spPr>
       </p:pic>
